--- a/slides/cds431_week7_2.pptx
+++ b/slides/cds431_week7_2.pptx
@@ -5,13 +5,14 @@
     <p:sldMasterId id="2147483648" r:id="rId1"/>
   </p:sldMasterIdLst>
   <p:notesMasterIdLst>
-    <p:notesMasterId r:id="rId6"/>
+    <p:notesMasterId r:id="rId7"/>
   </p:notesMasterIdLst>
   <p:sldIdLst>
     <p:sldId id="578" r:id="rId2"/>
-    <p:sldId id="463" r:id="rId3"/>
-    <p:sldId id="573" r:id="rId4"/>
-    <p:sldId id="446" r:id="rId5"/>
+    <p:sldId id="579" r:id="rId3"/>
+    <p:sldId id="463" r:id="rId4"/>
+    <p:sldId id="573" r:id="rId5"/>
+    <p:sldId id="446" r:id="rId6"/>
   </p:sldIdLst>
   <p:sldSz cx="12192000" cy="6858000"/>
   <p:notesSz cx="6858000" cy="9144000"/>
@@ -2851,7 +2852,7 @@
           <a:p>
             <a:fld id="{BAA6833F-DE2B-2C43-BDD6-207D762B9BFB}" type="datetimeFigureOut">
               <a:rPr lang="en-US" smtClean="0"/>
-              <a:t>1/11/22</a:t>
+              <a:t>5/12/22</a:t>
             </a:fld>
             <a:endParaRPr lang="en-US"/>
           </a:p>
@@ -3183,7 +3184,7 @@
           <a:p>
             <a:fld id="{AA0A589D-B577-494C-AEB5-A5D4F1908003}" type="slidenum">
               <a:rPr lang="en-US" smtClean="0"/>
-              <a:t>2</a:t>
+              <a:t>3</a:t>
             </a:fld>
             <a:endParaRPr lang="en-US"/>
           </a:p>
@@ -3267,7 +3268,7 @@
           <a:p>
             <a:fld id="{AA0A589D-B577-494C-AEB5-A5D4F1908003}" type="slidenum">
               <a:rPr lang="en-US" smtClean="0"/>
-              <a:t>3</a:t>
+              <a:t>4</a:t>
             </a:fld>
             <a:endParaRPr lang="en-US"/>
           </a:p>
@@ -3433,7 +3434,7 @@
           <a:p>
             <a:fld id="{FA5EFB8A-D34C-5C4C-AEE0-50383CAE7DE1}" type="datetimeFigureOut">
               <a:rPr lang="en-US" smtClean="0"/>
-              <a:t>1/11/22</a:t>
+              <a:t>5/12/22</a:t>
             </a:fld>
             <a:endParaRPr lang="en-US"/>
           </a:p>
@@ -3631,7 +3632,7 @@
           <a:p>
             <a:fld id="{FA5EFB8A-D34C-5C4C-AEE0-50383CAE7DE1}" type="datetimeFigureOut">
               <a:rPr lang="en-US" smtClean="0"/>
-              <a:t>1/11/22</a:t>
+              <a:t>5/12/22</a:t>
             </a:fld>
             <a:endParaRPr lang="en-US"/>
           </a:p>
@@ -3839,7 +3840,7 @@
           <a:p>
             <a:fld id="{FA5EFB8A-D34C-5C4C-AEE0-50383CAE7DE1}" type="datetimeFigureOut">
               <a:rPr lang="en-US" smtClean="0"/>
-              <a:t>1/11/22</a:t>
+              <a:t>5/12/22</a:t>
             </a:fld>
             <a:endParaRPr lang="en-US"/>
           </a:p>
@@ -4037,7 +4038,7 @@
           <a:p>
             <a:fld id="{FA5EFB8A-D34C-5C4C-AEE0-50383CAE7DE1}" type="datetimeFigureOut">
               <a:rPr lang="en-US" smtClean="0"/>
-              <a:t>1/11/22</a:t>
+              <a:t>5/12/22</a:t>
             </a:fld>
             <a:endParaRPr lang="en-US"/>
           </a:p>
@@ -4312,7 +4313,7 @@
           <a:p>
             <a:fld id="{FA5EFB8A-D34C-5C4C-AEE0-50383CAE7DE1}" type="datetimeFigureOut">
               <a:rPr lang="en-US" smtClean="0"/>
-              <a:t>1/11/22</a:t>
+              <a:t>5/12/22</a:t>
             </a:fld>
             <a:endParaRPr lang="en-US"/>
           </a:p>
@@ -4577,7 +4578,7 @@
           <a:p>
             <a:fld id="{FA5EFB8A-D34C-5C4C-AEE0-50383CAE7DE1}" type="datetimeFigureOut">
               <a:rPr lang="en-US" smtClean="0"/>
-              <a:t>1/11/22</a:t>
+              <a:t>5/12/22</a:t>
             </a:fld>
             <a:endParaRPr lang="en-US"/>
           </a:p>
@@ -4989,7 +4990,7 @@
           <a:p>
             <a:fld id="{FA5EFB8A-D34C-5C4C-AEE0-50383CAE7DE1}" type="datetimeFigureOut">
               <a:rPr lang="en-US" smtClean="0"/>
-              <a:t>1/11/22</a:t>
+              <a:t>5/12/22</a:t>
             </a:fld>
             <a:endParaRPr lang="en-US"/>
           </a:p>
@@ -5130,7 +5131,7 @@
           <a:p>
             <a:fld id="{FA5EFB8A-D34C-5C4C-AEE0-50383CAE7DE1}" type="datetimeFigureOut">
               <a:rPr lang="en-US" smtClean="0"/>
-              <a:t>1/11/22</a:t>
+              <a:t>5/12/22</a:t>
             </a:fld>
             <a:endParaRPr lang="en-US"/>
           </a:p>
@@ -5243,7 +5244,7 @@
           <a:p>
             <a:fld id="{FA5EFB8A-D34C-5C4C-AEE0-50383CAE7DE1}" type="datetimeFigureOut">
               <a:rPr lang="en-US" smtClean="0"/>
-              <a:t>1/11/22</a:t>
+              <a:t>5/12/22</a:t>
             </a:fld>
             <a:endParaRPr lang="en-US"/>
           </a:p>
@@ -5554,7 +5555,7 @@
           <a:p>
             <a:fld id="{FA5EFB8A-D34C-5C4C-AEE0-50383CAE7DE1}" type="datetimeFigureOut">
               <a:rPr lang="en-US" smtClean="0"/>
-              <a:t>1/11/22</a:t>
+              <a:t>5/12/22</a:t>
             </a:fld>
             <a:endParaRPr lang="en-US"/>
           </a:p>
@@ -5842,7 +5843,7 @@
           <a:p>
             <a:fld id="{FA5EFB8A-D34C-5C4C-AEE0-50383CAE7DE1}" type="datetimeFigureOut">
               <a:rPr lang="en-US" smtClean="0"/>
-              <a:t>1/11/22</a:t>
+              <a:t>5/12/22</a:t>
             </a:fld>
             <a:endParaRPr lang="en-US"/>
           </a:p>
@@ -6113,7 +6114,7 @@
           <a:p>
             <a:fld id="{FA5EFB8A-D34C-5C4C-AEE0-50383CAE7DE1}" type="datetimeFigureOut">
               <a:rPr lang="en-US" smtClean="0"/>
-              <a:t>1/11/22</a:t>
+              <a:t>5/12/22</a:t>
             </a:fld>
             <a:endParaRPr lang="en-US"/>
           </a:p>
@@ -6589,79 +6590,57 @@
           <a:chExt cx="0" cy="0"/>
         </a:xfrm>
       </p:grpSpPr>
-      <p:sp>
-        <p:nvSpPr>
-          <p:cNvPr id="2" name="Title 1"/>
-          <p:cNvSpPr>
-            <a:spLocks noGrp="1"/>
-          </p:cNvSpPr>
-          <p:nvPr>
-            <p:ph type="title"/>
-          </p:nvPr>
-        </p:nvSpPr>
-        <p:spPr>
-          <a:xfrm>
-            <a:off x="2231028" y="14749"/>
-            <a:ext cx="8436973" cy="1018903"/>
-          </a:xfrm>
-        </p:spPr>
-        <p:txBody>
-          <a:bodyPr>
-            <a:normAutofit/>
-          </a:bodyPr>
-          <a:lstStyle/>
-          <a:p>
-            <a:r>
-              <a:rPr lang="en-US" sz="2800" b="1" dirty="0">
-                <a:solidFill>
-                  <a:srgbClr val="FF0000"/>
-                </a:solidFill>
-              </a:rPr>
-              <a:t>Activity #25:  More Data Collection Practice </a:t>
-            </a:r>
-            <a:r>
-              <a:rPr lang="en-US" sz="2800" dirty="0">
-                <a:solidFill>
-                  <a:srgbClr val="FF0000"/>
-                </a:solidFill>
-              </a:rPr>
-              <a:t>(Session 5) </a:t>
-            </a:r>
-          </a:p>
-        </p:txBody>
-      </p:sp>
-      <p:sp>
-        <p:nvSpPr>
-          <p:cNvPr id="5" name="Content Placeholder 4">
+      <p:pic>
+        <p:nvPicPr>
+          <p:cNvPr id="1026" name="Picture 2" descr="Toward a theory-driven classification of rehabilitation treatments. |  Semantic Scholar">
             <a:extLst>
               <a:ext uri="{FF2B5EF4-FFF2-40B4-BE49-F238E27FC236}">
-                <a16:creationId xmlns:a16="http://schemas.microsoft.com/office/drawing/2014/main" id="{2ED61AC0-DBA7-D646-AF43-2B7B46DF6B47}"/>
+                <a16:creationId xmlns:a16="http://schemas.microsoft.com/office/drawing/2014/main" id="{204705C1-A7D7-E626-AB1C-8989786C0D64}"/>
               </a:ext>
             </a:extLst>
           </p:cNvPr>
-          <p:cNvSpPr>
-            <a:spLocks noGrp="1"/>
-          </p:cNvSpPr>
-          <p:nvPr>
-            <p:ph idx="1"/>
-          </p:nvPr>
-        </p:nvSpPr>
-        <p:spPr/>
-        <p:txBody>
-          <a:bodyPr/>
-          <a:lstStyle/>
-          <a:p>
-            <a:r>
-              <a:rPr lang="en-US"/>
-              <a:t>Video location: SSD 5 Matthew TX </a:t>
-            </a:r>
-          </a:p>
-        </p:txBody>
-      </p:sp>
+          <p:cNvPicPr>
+            <a:picLocks noChangeAspect="1" noChangeArrowheads="1"/>
+          </p:cNvPicPr>
+          <p:nvPr/>
+        </p:nvPicPr>
+        <p:blipFill>
+          <a:blip r:embed="rId2">
+            <a:extLst>
+              <a:ext uri="{28A0092B-C50C-407E-A947-70E740481C1C}">
+                <a14:useLocalDpi xmlns:a14="http://schemas.microsoft.com/office/drawing/2010/main" val="0"/>
+              </a:ext>
+            </a:extLst>
+          </a:blip>
+          <a:srcRect/>
+          <a:stretch>
+            <a:fillRect/>
+          </a:stretch>
+        </p:blipFill>
+        <p:spPr bwMode="auto">
+          <a:xfrm>
+            <a:off x="1892300" y="596900"/>
+            <a:ext cx="8407400" cy="5664200"/>
+          </a:xfrm>
+          <a:prstGeom prst="rect">
+            <a:avLst/>
+          </a:prstGeom>
+          <a:noFill/>
+          <a:extLst>
+            <a:ext uri="{909E8E84-426E-40DD-AFC4-6F175D3DCCD1}">
+              <a14:hiddenFill xmlns:a14="http://schemas.microsoft.com/office/drawing/2010/main">
+                <a:solidFill>
+                  <a:srgbClr val="FFFFFF"/>
+                </a:solidFill>
+              </a14:hiddenFill>
+            </a:ext>
+          </a:extLst>
+        </p:spPr>
+      </p:pic>
     </p:spTree>
     <p:extLst>
       <p:ext uri="{BB962C8B-B14F-4D97-AF65-F5344CB8AC3E}">
-        <p14:creationId xmlns:p14="http://schemas.microsoft.com/office/powerpoint/2010/main" val="99528774"/>
+        <p14:creationId xmlns:p14="http://schemas.microsoft.com/office/powerpoint/2010/main" val="2829496814"/>
       </p:ext>
     </p:extLst>
   </p:cSld>
@@ -6690,6 +6669,105 @@
       </p:grpSpPr>
       <p:sp>
         <p:nvSpPr>
+          <p:cNvPr id="2" name="Title 1"/>
+          <p:cNvSpPr>
+            <a:spLocks noGrp="1"/>
+          </p:cNvSpPr>
+          <p:nvPr>
+            <p:ph type="title"/>
+          </p:nvPr>
+        </p:nvSpPr>
+        <p:spPr>
+          <a:xfrm>
+            <a:off x="2231028" y="14749"/>
+            <a:ext cx="8436973" cy="1018903"/>
+          </a:xfrm>
+        </p:spPr>
+        <p:txBody>
+          <a:bodyPr>
+            <a:normAutofit/>
+          </a:bodyPr>
+          <a:lstStyle/>
+          <a:p>
+            <a:r>
+              <a:rPr lang="en-US" sz="2800" b="1" dirty="0">
+                <a:solidFill>
+                  <a:srgbClr val="FF0000"/>
+                </a:solidFill>
+              </a:rPr>
+              <a:t>Activity #25:  More Data Collection Practice </a:t>
+            </a:r>
+            <a:r>
+              <a:rPr lang="en-US" sz="2800" dirty="0">
+                <a:solidFill>
+                  <a:srgbClr val="FF0000"/>
+                </a:solidFill>
+              </a:rPr>
+              <a:t>(Session 5) </a:t>
+            </a:r>
+          </a:p>
+        </p:txBody>
+      </p:sp>
+      <p:sp>
+        <p:nvSpPr>
+          <p:cNvPr id="5" name="Content Placeholder 4">
+            <a:extLst>
+              <a:ext uri="{FF2B5EF4-FFF2-40B4-BE49-F238E27FC236}">
+                <a16:creationId xmlns:a16="http://schemas.microsoft.com/office/drawing/2014/main" id="{2ED61AC0-DBA7-D646-AF43-2B7B46DF6B47}"/>
+              </a:ext>
+            </a:extLst>
+          </p:cNvPr>
+          <p:cNvSpPr>
+            <a:spLocks noGrp="1"/>
+          </p:cNvSpPr>
+          <p:nvPr>
+            <p:ph idx="1"/>
+          </p:nvPr>
+        </p:nvSpPr>
+        <p:spPr/>
+        <p:txBody>
+          <a:bodyPr/>
+          <a:lstStyle/>
+          <a:p>
+            <a:r>
+              <a:rPr lang="en-US"/>
+              <a:t>Video location: SSD 5 Matthew TX </a:t>
+            </a:r>
+          </a:p>
+        </p:txBody>
+      </p:sp>
+    </p:spTree>
+    <p:extLst>
+      <p:ext uri="{BB962C8B-B14F-4D97-AF65-F5344CB8AC3E}">
+        <p14:creationId xmlns:p14="http://schemas.microsoft.com/office/powerpoint/2010/main" val="99528774"/>
+      </p:ext>
+    </p:extLst>
+  </p:cSld>
+  <p:clrMapOvr>
+    <a:masterClrMapping/>
+  </p:clrMapOvr>
+</p:sld>
+</file>
+
+<file path=ppt/slides/slide4.xml><?xml version="1.0" encoding="utf-8"?>
+<p:sld xmlns:a="http://schemas.openxmlformats.org/drawingml/2006/main" xmlns:r="http://schemas.openxmlformats.org/officeDocument/2006/relationships" xmlns:p="http://schemas.openxmlformats.org/presentationml/2006/main">
+  <p:cSld>
+    <p:spTree>
+      <p:nvGrpSpPr>
+        <p:cNvPr id="1" name=""/>
+        <p:cNvGrpSpPr/>
+        <p:nvPr/>
+      </p:nvGrpSpPr>
+      <p:grpSpPr>
+        <a:xfrm>
+          <a:off x="0" y="0"/>
+          <a:ext cx="0" cy="0"/>
+          <a:chOff x="0" y="0"/>
+          <a:chExt cx="0" cy="0"/>
+        </a:xfrm>
+      </p:grpSpPr>
+      <p:sp>
+        <p:nvSpPr>
           <p:cNvPr id="2" name="Title 1">
             <a:extLst>
               <a:ext uri="{FF2B5EF4-FFF2-40B4-BE49-F238E27FC236}">
@@ -6800,7 +6878,7 @@
 </p:sld>
 </file>
 
-<file path=ppt/slides/slide4.xml><?xml version="1.0" encoding="utf-8"?>
+<file path=ppt/slides/slide5.xml><?xml version="1.0" encoding="utf-8"?>
 <p:sld xmlns:a="http://schemas.openxmlformats.org/drawingml/2006/main" xmlns:r="http://schemas.openxmlformats.org/officeDocument/2006/relationships" xmlns:p="http://schemas.openxmlformats.org/presentationml/2006/main">
   <p:cSld>
     <p:spTree>
